--- a/ppt 16-9/1097.灵程路上.pptx
+++ b/ppt 16-9/1097.灵程路上.pptx
@@ -129,7 +129,7 @@
           <p:cNvPr id="2" name="标题 1">
             <a:extLst>
               <a:ext uri="{FF2B5EF4-FFF2-40B4-BE49-F238E27FC236}">
-                <a16:creationId xmlns:a16="http://schemas.microsoft.com/office/drawing/2014/main" id="{3DB6F30C-C389-7109-A747-2EE0A1532B10}"/>
+                <a16:creationId xmlns:a16="http://schemas.microsoft.com/office/drawing/2014/main" id="{EF3452E3-8D16-451A-43E8-C5CF53F97E3A}"/>
               </a:ext>
             </a:extLst>
           </p:cNvPr>
@@ -166,7 +166,7 @@
           <p:cNvPr id="3" name="副标题 2">
             <a:extLst>
               <a:ext uri="{FF2B5EF4-FFF2-40B4-BE49-F238E27FC236}">
-                <a16:creationId xmlns:a16="http://schemas.microsoft.com/office/drawing/2014/main" id="{E121661E-C0FF-7FEA-1271-A0544F2AA561}"/>
+                <a16:creationId xmlns:a16="http://schemas.microsoft.com/office/drawing/2014/main" id="{F6EA0385-459F-6F35-A550-FEB59898C124}"/>
               </a:ext>
             </a:extLst>
           </p:cNvPr>
@@ -236,7 +236,7 @@
           <p:cNvPr id="4" name="日期占位符 3">
             <a:extLst>
               <a:ext uri="{FF2B5EF4-FFF2-40B4-BE49-F238E27FC236}">
-                <a16:creationId xmlns:a16="http://schemas.microsoft.com/office/drawing/2014/main" id="{7861460D-7FA3-4334-FCCF-67524F07E1A0}"/>
+                <a16:creationId xmlns:a16="http://schemas.microsoft.com/office/drawing/2014/main" id="{86ADB6A9-68D9-275D-2162-A6B8659B0E92}"/>
               </a:ext>
             </a:extLst>
           </p:cNvPr>
@@ -252,7 +252,7 @@
           <a:bodyPr/>
           <a:lstStyle/>
           <a:p>
-            <a:fld id="{B562C4DB-2887-4D6B-906D-DD89D6FBFC60}" type="datetimeFigureOut">
+            <a:fld id="{59018169-FED5-4FC0-BA2E-0CB11086B47A}" type="datetimeFigureOut">
               <a:rPr lang="zh-CN" altLang="en-US" smtClean="0"/>
               <a:t>2024/3/10</a:t>
             </a:fld>
@@ -265,7 +265,7 @@
           <p:cNvPr id="5" name="页脚占位符 4">
             <a:extLst>
               <a:ext uri="{FF2B5EF4-FFF2-40B4-BE49-F238E27FC236}">
-                <a16:creationId xmlns:a16="http://schemas.microsoft.com/office/drawing/2014/main" id="{04E0B483-F30F-58FA-11C7-9CFB18927DEB}"/>
+                <a16:creationId xmlns:a16="http://schemas.microsoft.com/office/drawing/2014/main" id="{E053FF8E-5197-820C-98E3-575258B5A0C6}"/>
               </a:ext>
             </a:extLst>
           </p:cNvPr>
@@ -290,7 +290,7 @@
           <p:cNvPr id="6" name="灯片编号占位符 5">
             <a:extLst>
               <a:ext uri="{FF2B5EF4-FFF2-40B4-BE49-F238E27FC236}">
-                <a16:creationId xmlns:a16="http://schemas.microsoft.com/office/drawing/2014/main" id="{80453672-F41F-6AD9-56CC-4D8624AB54B2}"/>
+                <a16:creationId xmlns:a16="http://schemas.microsoft.com/office/drawing/2014/main" id="{3925D886-6912-ED73-1DC6-BACE8EF4C2B8}"/>
               </a:ext>
             </a:extLst>
           </p:cNvPr>
@@ -306,7 +306,7 @@
           <a:bodyPr/>
           <a:lstStyle/>
           <a:p>
-            <a:fld id="{3B1437BC-12F9-459F-A990-928CD5B01793}" type="slidenum">
+            <a:fld id="{190931F7-12F5-4A65-BFD0-FB301A5B9F86}" type="slidenum">
               <a:rPr lang="zh-CN" altLang="en-US" smtClean="0"/>
               <a:t>‹#›</a:t>
             </a:fld>
@@ -317,7 +317,7 @@
     </p:spTree>
     <p:extLst>
       <p:ext uri="{BB962C8B-B14F-4D97-AF65-F5344CB8AC3E}">
-        <p14:creationId xmlns:p14="http://schemas.microsoft.com/office/powerpoint/2010/main" val="1904032940"/>
+        <p14:creationId xmlns:p14="http://schemas.microsoft.com/office/powerpoint/2010/main" val="4299457"/>
       </p:ext>
     </p:extLst>
   </p:cSld>
@@ -349,7 +349,7 @@
           <p:cNvPr id="2" name="标题 1">
             <a:extLst>
               <a:ext uri="{FF2B5EF4-FFF2-40B4-BE49-F238E27FC236}">
-                <a16:creationId xmlns:a16="http://schemas.microsoft.com/office/drawing/2014/main" id="{BF8E4A0A-87B3-4412-E73C-20D60DD2AED0}"/>
+                <a16:creationId xmlns:a16="http://schemas.microsoft.com/office/drawing/2014/main" id="{1375D79C-6132-DAD0-F26A-AF169D6948C7}"/>
               </a:ext>
             </a:extLst>
           </p:cNvPr>
@@ -377,7 +377,7 @@
           <p:cNvPr id="3" name="竖排文字占位符 2">
             <a:extLst>
               <a:ext uri="{FF2B5EF4-FFF2-40B4-BE49-F238E27FC236}">
-                <a16:creationId xmlns:a16="http://schemas.microsoft.com/office/drawing/2014/main" id="{4E00288E-482C-07A9-D2AF-02383B08A208}"/>
+                <a16:creationId xmlns:a16="http://schemas.microsoft.com/office/drawing/2014/main" id="{D1338019-C03B-97DD-096B-DA65FCBA3599}"/>
               </a:ext>
             </a:extLst>
           </p:cNvPr>
@@ -434,7 +434,7 @@
           <p:cNvPr id="4" name="日期占位符 3">
             <a:extLst>
               <a:ext uri="{FF2B5EF4-FFF2-40B4-BE49-F238E27FC236}">
-                <a16:creationId xmlns:a16="http://schemas.microsoft.com/office/drawing/2014/main" id="{E1D1358D-B3A5-FA8C-926A-1A04863162CA}"/>
+                <a16:creationId xmlns:a16="http://schemas.microsoft.com/office/drawing/2014/main" id="{3A98183F-4B39-39CA-58CD-D634BD232FEB}"/>
               </a:ext>
             </a:extLst>
           </p:cNvPr>
@@ -450,7 +450,7 @@
           <a:bodyPr/>
           <a:lstStyle/>
           <a:p>
-            <a:fld id="{B562C4DB-2887-4D6B-906D-DD89D6FBFC60}" type="datetimeFigureOut">
+            <a:fld id="{59018169-FED5-4FC0-BA2E-0CB11086B47A}" type="datetimeFigureOut">
               <a:rPr lang="zh-CN" altLang="en-US" smtClean="0"/>
               <a:t>2024/3/10</a:t>
             </a:fld>
@@ -463,7 +463,7 @@
           <p:cNvPr id="5" name="页脚占位符 4">
             <a:extLst>
               <a:ext uri="{FF2B5EF4-FFF2-40B4-BE49-F238E27FC236}">
-                <a16:creationId xmlns:a16="http://schemas.microsoft.com/office/drawing/2014/main" id="{91714F46-B6AC-6594-1CA5-37601C2F0C26}"/>
+                <a16:creationId xmlns:a16="http://schemas.microsoft.com/office/drawing/2014/main" id="{CE3808EF-E5E9-3489-C31B-CD78C3F90B75}"/>
               </a:ext>
             </a:extLst>
           </p:cNvPr>
@@ -488,7 +488,7 @@
           <p:cNvPr id="6" name="灯片编号占位符 5">
             <a:extLst>
               <a:ext uri="{FF2B5EF4-FFF2-40B4-BE49-F238E27FC236}">
-                <a16:creationId xmlns:a16="http://schemas.microsoft.com/office/drawing/2014/main" id="{6F22E06F-4864-1255-E8A7-1D57FDB1878A}"/>
+                <a16:creationId xmlns:a16="http://schemas.microsoft.com/office/drawing/2014/main" id="{3F490FB4-2B92-C762-2BE9-4F50B4D5C4B7}"/>
               </a:ext>
             </a:extLst>
           </p:cNvPr>
@@ -504,7 +504,7 @@
           <a:bodyPr/>
           <a:lstStyle/>
           <a:p>
-            <a:fld id="{3B1437BC-12F9-459F-A990-928CD5B01793}" type="slidenum">
+            <a:fld id="{190931F7-12F5-4A65-BFD0-FB301A5B9F86}" type="slidenum">
               <a:rPr lang="zh-CN" altLang="en-US" smtClean="0"/>
               <a:t>‹#›</a:t>
             </a:fld>
@@ -515,7 +515,7 @@
     </p:spTree>
     <p:extLst>
       <p:ext uri="{BB962C8B-B14F-4D97-AF65-F5344CB8AC3E}">
-        <p14:creationId xmlns:p14="http://schemas.microsoft.com/office/powerpoint/2010/main" val="133546065"/>
+        <p14:creationId xmlns:p14="http://schemas.microsoft.com/office/powerpoint/2010/main" val="1513079125"/>
       </p:ext>
     </p:extLst>
   </p:cSld>
@@ -547,7 +547,7 @@
           <p:cNvPr id="2" name="竖排标题 1">
             <a:extLst>
               <a:ext uri="{FF2B5EF4-FFF2-40B4-BE49-F238E27FC236}">
-                <a16:creationId xmlns:a16="http://schemas.microsoft.com/office/drawing/2014/main" id="{0A9F9692-18A0-8813-16FD-61A8A0745867}"/>
+                <a16:creationId xmlns:a16="http://schemas.microsoft.com/office/drawing/2014/main" id="{88B8DF22-70DF-7566-BF3F-4DBDF6322184}"/>
               </a:ext>
             </a:extLst>
           </p:cNvPr>
@@ -580,7 +580,7 @@
           <p:cNvPr id="3" name="竖排文字占位符 2">
             <a:extLst>
               <a:ext uri="{FF2B5EF4-FFF2-40B4-BE49-F238E27FC236}">
-                <a16:creationId xmlns:a16="http://schemas.microsoft.com/office/drawing/2014/main" id="{20CCECBB-E851-324A-2FF9-2AC3F2F31696}"/>
+                <a16:creationId xmlns:a16="http://schemas.microsoft.com/office/drawing/2014/main" id="{91DCD9C2-EFDA-83BA-F242-7DB50419CDE3}"/>
               </a:ext>
             </a:extLst>
           </p:cNvPr>
@@ -642,7 +642,7 @@
           <p:cNvPr id="4" name="日期占位符 3">
             <a:extLst>
               <a:ext uri="{FF2B5EF4-FFF2-40B4-BE49-F238E27FC236}">
-                <a16:creationId xmlns:a16="http://schemas.microsoft.com/office/drawing/2014/main" id="{81D2CAE6-EDC8-6191-33F7-B06938F82A00}"/>
+                <a16:creationId xmlns:a16="http://schemas.microsoft.com/office/drawing/2014/main" id="{5B708174-1C5A-4FAA-329B-50A01FB0A5CD}"/>
               </a:ext>
             </a:extLst>
           </p:cNvPr>
@@ -658,7 +658,7 @@
           <a:bodyPr/>
           <a:lstStyle/>
           <a:p>
-            <a:fld id="{B562C4DB-2887-4D6B-906D-DD89D6FBFC60}" type="datetimeFigureOut">
+            <a:fld id="{59018169-FED5-4FC0-BA2E-0CB11086B47A}" type="datetimeFigureOut">
               <a:rPr lang="zh-CN" altLang="en-US" smtClean="0"/>
               <a:t>2024/3/10</a:t>
             </a:fld>
@@ -671,7 +671,7 @@
           <p:cNvPr id="5" name="页脚占位符 4">
             <a:extLst>
               <a:ext uri="{FF2B5EF4-FFF2-40B4-BE49-F238E27FC236}">
-                <a16:creationId xmlns:a16="http://schemas.microsoft.com/office/drawing/2014/main" id="{27290D4B-110C-417D-1E7F-88B27B78B98D}"/>
+                <a16:creationId xmlns:a16="http://schemas.microsoft.com/office/drawing/2014/main" id="{B999A9E7-EF57-2C15-F396-8ED4A30FA063}"/>
               </a:ext>
             </a:extLst>
           </p:cNvPr>
@@ -696,7 +696,7 @@
           <p:cNvPr id="6" name="灯片编号占位符 5">
             <a:extLst>
               <a:ext uri="{FF2B5EF4-FFF2-40B4-BE49-F238E27FC236}">
-                <a16:creationId xmlns:a16="http://schemas.microsoft.com/office/drawing/2014/main" id="{7374DD4F-F042-0B36-B2B1-EC03AFC59B29}"/>
+                <a16:creationId xmlns:a16="http://schemas.microsoft.com/office/drawing/2014/main" id="{804E3C37-0797-C266-E8AD-FDCB31031ACA}"/>
               </a:ext>
             </a:extLst>
           </p:cNvPr>
@@ -712,7 +712,7 @@
           <a:bodyPr/>
           <a:lstStyle/>
           <a:p>
-            <a:fld id="{3B1437BC-12F9-459F-A990-928CD5B01793}" type="slidenum">
+            <a:fld id="{190931F7-12F5-4A65-BFD0-FB301A5B9F86}" type="slidenum">
               <a:rPr lang="zh-CN" altLang="en-US" smtClean="0"/>
               <a:t>‹#›</a:t>
             </a:fld>
@@ -723,7 +723,7 @@
     </p:spTree>
     <p:extLst>
       <p:ext uri="{BB962C8B-B14F-4D97-AF65-F5344CB8AC3E}">
-        <p14:creationId xmlns:p14="http://schemas.microsoft.com/office/powerpoint/2010/main" val="2142372733"/>
+        <p14:creationId xmlns:p14="http://schemas.microsoft.com/office/powerpoint/2010/main" val="2807158602"/>
       </p:ext>
     </p:extLst>
   </p:cSld>
@@ -755,7 +755,7 @@
           <p:cNvPr id="2" name="标题 1">
             <a:extLst>
               <a:ext uri="{FF2B5EF4-FFF2-40B4-BE49-F238E27FC236}">
-                <a16:creationId xmlns:a16="http://schemas.microsoft.com/office/drawing/2014/main" id="{C79AF9E0-F06D-4F33-E2A0-2C039891E43E}"/>
+                <a16:creationId xmlns:a16="http://schemas.microsoft.com/office/drawing/2014/main" id="{18739D66-0081-839E-C41D-3370B1D2A787}"/>
               </a:ext>
             </a:extLst>
           </p:cNvPr>
@@ -783,7 +783,7 @@
           <p:cNvPr id="3" name="内容占位符 2">
             <a:extLst>
               <a:ext uri="{FF2B5EF4-FFF2-40B4-BE49-F238E27FC236}">
-                <a16:creationId xmlns:a16="http://schemas.microsoft.com/office/drawing/2014/main" id="{F32CB33B-4D72-2006-CC64-A5E18CD0D14E}"/>
+                <a16:creationId xmlns:a16="http://schemas.microsoft.com/office/drawing/2014/main" id="{C929B9F9-3A77-7016-5914-49AAED79C5A0}"/>
               </a:ext>
             </a:extLst>
           </p:cNvPr>
@@ -840,7 +840,7 @@
           <p:cNvPr id="4" name="日期占位符 3">
             <a:extLst>
               <a:ext uri="{FF2B5EF4-FFF2-40B4-BE49-F238E27FC236}">
-                <a16:creationId xmlns:a16="http://schemas.microsoft.com/office/drawing/2014/main" id="{67FA8F6E-D5C8-16C6-67DA-0EA667A1D877}"/>
+                <a16:creationId xmlns:a16="http://schemas.microsoft.com/office/drawing/2014/main" id="{0474ECD1-610C-5E90-A900-3389D05CB05B}"/>
               </a:ext>
             </a:extLst>
           </p:cNvPr>
@@ -856,7 +856,7 @@
           <a:bodyPr/>
           <a:lstStyle/>
           <a:p>
-            <a:fld id="{B562C4DB-2887-4D6B-906D-DD89D6FBFC60}" type="datetimeFigureOut">
+            <a:fld id="{59018169-FED5-4FC0-BA2E-0CB11086B47A}" type="datetimeFigureOut">
               <a:rPr lang="zh-CN" altLang="en-US" smtClean="0"/>
               <a:t>2024/3/10</a:t>
             </a:fld>
@@ -869,7 +869,7 @@
           <p:cNvPr id="5" name="页脚占位符 4">
             <a:extLst>
               <a:ext uri="{FF2B5EF4-FFF2-40B4-BE49-F238E27FC236}">
-                <a16:creationId xmlns:a16="http://schemas.microsoft.com/office/drawing/2014/main" id="{182D4249-D202-B080-5953-E19D5BA8E930}"/>
+                <a16:creationId xmlns:a16="http://schemas.microsoft.com/office/drawing/2014/main" id="{468192AE-D01F-3390-8040-E3AC1CCB79A8}"/>
               </a:ext>
             </a:extLst>
           </p:cNvPr>
@@ -894,7 +894,7 @@
           <p:cNvPr id="6" name="灯片编号占位符 5">
             <a:extLst>
               <a:ext uri="{FF2B5EF4-FFF2-40B4-BE49-F238E27FC236}">
-                <a16:creationId xmlns:a16="http://schemas.microsoft.com/office/drawing/2014/main" id="{0AC8DE8B-BA63-A4EF-9762-847C6E88F403}"/>
+                <a16:creationId xmlns:a16="http://schemas.microsoft.com/office/drawing/2014/main" id="{7DBE241D-ACB7-BAA1-C9CA-6E8DD1A39007}"/>
               </a:ext>
             </a:extLst>
           </p:cNvPr>
@@ -910,7 +910,7 @@
           <a:bodyPr/>
           <a:lstStyle/>
           <a:p>
-            <a:fld id="{3B1437BC-12F9-459F-A990-928CD5B01793}" type="slidenum">
+            <a:fld id="{190931F7-12F5-4A65-BFD0-FB301A5B9F86}" type="slidenum">
               <a:rPr lang="zh-CN" altLang="en-US" smtClean="0"/>
               <a:t>‹#›</a:t>
             </a:fld>
@@ -921,7 +921,7 @@
     </p:spTree>
     <p:extLst>
       <p:ext uri="{BB962C8B-B14F-4D97-AF65-F5344CB8AC3E}">
-        <p14:creationId xmlns:p14="http://schemas.microsoft.com/office/powerpoint/2010/main" val="2977025822"/>
+        <p14:creationId xmlns:p14="http://schemas.microsoft.com/office/powerpoint/2010/main" val="383179450"/>
       </p:ext>
     </p:extLst>
   </p:cSld>
@@ -953,7 +953,7 @@
           <p:cNvPr id="2" name="标题 1">
             <a:extLst>
               <a:ext uri="{FF2B5EF4-FFF2-40B4-BE49-F238E27FC236}">
-                <a16:creationId xmlns:a16="http://schemas.microsoft.com/office/drawing/2014/main" id="{C39C8692-CAE1-1489-39FB-C7E41B54733D}"/>
+                <a16:creationId xmlns:a16="http://schemas.microsoft.com/office/drawing/2014/main" id="{8581FC57-990A-38A1-7DAB-5F1B57CEAC64}"/>
               </a:ext>
             </a:extLst>
           </p:cNvPr>
@@ -990,7 +990,7 @@
           <p:cNvPr id="3" name="文本占位符 2">
             <a:extLst>
               <a:ext uri="{FF2B5EF4-FFF2-40B4-BE49-F238E27FC236}">
-                <a16:creationId xmlns:a16="http://schemas.microsoft.com/office/drawing/2014/main" id="{14D9A3A5-4D96-7EA4-CB44-91836370AD98}"/>
+                <a16:creationId xmlns:a16="http://schemas.microsoft.com/office/drawing/2014/main" id="{E35C35C7-EE85-A231-4536-5BC4933C7E55}"/>
               </a:ext>
             </a:extLst>
           </p:cNvPr>
@@ -1115,7 +1115,7 @@
           <p:cNvPr id="4" name="日期占位符 3">
             <a:extLst>
               <a:ext uri="{FF2B5EF4-FFF2-40B4-BE49-F238E27FC236}">
-                <a16:creationId xmlns:a16="http://schemas.microsoft.com/office/drawing/2014/main" id="{0607847D-49B9-A8F7-5BD0-562F7E47BB44}"/>
+                <a16:creationId xmlns:a16="http://schemas.microsoft.com/office/drawing/2014/main" id="{A3097001-8837-E858-23A5-94738F89398F}"/>
               </a:ext>
             </a:extLst>
           </p:cNvPr>
@@ -1131,7 +1131,7 @@
           <a:bodyPr/>
           <a:lstStyle/>
           <a:p>
-            <a:fld id="{B562C4DB-2887-4D6B-906D-DD89D6FBFC60}" type="datetimeFigureOut">
+            <a:fld id="{59018169-FED5-4FC0-BA2E-0CB11086B47A}" type="datetimeFigureOut">
               <a:rPr lang="zh-CN" altLang="en-US" smtClean="0"/>
               <a:t>2024/3/10</a:t>
             </a:fld>
@@ -1144,7 +1144,7 @@
           <p:cNvPr id="5" name="页脚占位符 4">
             <a:extLst>
               <a:ext uri="{FF2B5EF4-FFF2-40B4-BE49-F238E27FC236}">
-                <a16:creationId xmlns:a16="http://schemas.microsoft.com/office/drawing/2014/main" id="{90E9D2AC-5A99-8C8E-B72A-1E0C62BAD883}"/>
+                <a16:creationId xmlns:a16="http://schemas.microsoft.com/office/drawing/2014/main" id="{0CA5A555-3330-BBAF-4D03-67E6367F4B9E}"/>
               </a:ext>
             </a:extLst>
           </p:cNvPr>
@@ -1169,7 +1169,7 @@
           <p:cNvPr id="6" name="灯片编号占位符 5">
             <a:extLst>
               <a:ext uri="{FF2B5EF4-FFF2-40B4-BE49-F238E27FC236}">
-                <a16:creationId xmlns:a16="http://schemas.microsoft.com/office/drawing/2014/main" id="{BC83AAE3-CAF5-673C-76F6-88AE4CCFF7BB}"/>
+                <a16:creationId xmlns:a16="http://schemas.microsoft.com/office/drawing/2014/main" id="{49175D35-075F-5EF4-7687-46816BE82D86}"/>
               </a:ext>
             </a:extLst>
           </p:cNvPr>
@@ -1185,7 +1185,7 @@
           <a:bodyPr/>
           <a:lstStyle/>
           <a:p>
-            <a:fld id="{3B1437BC-12F9-459F-A990-928CD5B01793}" type="slidenum">
+            <a:fld id="{190931F7-12F5-4A65-BFD0-FB301A5B9F86}" type="slidenum">
               <a:rPr lang="zh-CN" altLang="en-US" smtClean="0"/>
               <a:t>‹#›</a:t>
             </a:fld>
@@ -1196,7 +1196,7 @@
     </p:spTree>
     <p:extLst>
       <p:ext uri="{BB962C8B-B14F-4D97-AF65-F5344CB8AC3E}">
-        <p14:creationId xmlns:p14="http://schemas.microsoft.com/office/powerpoint/2010/main" val="4277559506"/>
+        <p14:creationId xmlns:p14="http://schemas.microsoft.com/office/powerpoint/2010/main" val="1120388962"/>
       </p:ext>
     </p:extLst>
   </p:cSld>
@@ -1228,7 +1228,7 @@
           <p:cNvPr id="2" name="标题 1">
             <a:extLst>
               <a:ext uri="{FF2B5EF4-FFF2-40B4-BE49-F238E27FC236}">
-                <a16:creationId xmlns:a16="http://schemas.microsoft.com/office/drawing/2014/main" id="{FFCDC6CC-681C-B6EA-E599-A5DC29A1CE17}"/>
+                <a16:creationId xmlns:a16="http://schemas.microsoft.com/office/drawing/2014/main" id="{54DF700A-013D-4313-5523-925144905531}"/>
               </a:ext>
             </a:extLst>
           </p:cNvPr>
@@ -1256,7 +1256,7 @@
           <p:cNvPr id="3" name="内容占位符 2">
             <a:extLst>
               <a:ext uri="{FF2B5EF4-FFF2-40B4-BE49-F238E27FC236}">
-                <a16:creationId xmlns:a16="http://schemas.microsoft.com/office/drawing/2014/main" id="{A4636918-ABBD-BE35-82E3-0D5502A5B191}"/>
+                <a16:creationId xmlns:a16="http://schemas.microsoft.com/office/drawing/2014/main" id="{7F49FA84-5EE1-DCB7-8CA8-0ED0BDCA907B}"/>
               </a:ext>
             </a:extLst>
           </p:cNvPr>
@@ -1318,7 +1318,7 @@
           <p:cNvPr id="4" name="内容占位符 3">
             <a:extLst>
               <a:ext uri="{FF2B5EF4-FFF2-40B4-BE49-F238E27FC236}">
-                <a16:creationId xmlns:a16="http://schemas.microsoft.com/office/drawing/2014/main" id="{7D34F6CB-E224-6335-67DE-502F71F4073D}"/>
+                <a16:creationId xmlns:a16="http://schemas.microsoft.com/office/drawing/2014/main" id="{F529B658-5AE7-9703-B6E0-5365682EA1C1}"/>
               </a:ext>
             </a:extLst>
           </p:cNvPr>
@@ -1380,7 +1380,7 @@
           <p:cNvPr id="5" name="日期占位符 4">
             <a:extLst>
               <a:ext uri="{FF2B5EF4-FFF2-40B4-BE49-F238E27FC236}">
-                <a16:creationId xmlns:a16="http://schemas.microsoft.com/office/drawing/2014/main" id="{49AD2165-8455-DF95-1A72-102CFA384C2D}"/>
+                <a16:creationId xmlns:a16="http://schemas.microsoft.com/office/drawing/2014/main" id="{D8B74FEB-33FB-61E4-DA85-64CBA7344D96}"/>
               </a:ext>
             </a:extLst>
           </p:cNvPr>
@@ -1396,7 +1396,7 @@
           <a:bodyPr/>
           <a:lstStyle/>
           <a:p>
-            <a:fld id="{B562C4DB-2887-4D6B-906D-DD89D6FBFC60}" type="datetimeFigureOut">
+            <a:fld id="{59018169-FED5-4FC0-BA2E-0CB11086B47A}" type="datetimeFigureOut">
               <a:rPr lang="zh-CN" altLang="en-US" smtClean="0"/>
               <a:t>2024/3/10</a:t>
             </a:fld>
@@ -1409,7 +1409,7 @@
           <p:cNvPr id="6" name="页脚占位符 5">
             <a:extLst>
               <a:ext uri="{FF2B5EF4-FFF2-40B4-BE49-F238E27FC236}">
-                <a16:creationId xmlns:a16="http://schemas.microsoft.com/office/drawing/2014/main" id="{5639EAF7-6C1D-D6A4-A611-3925F9A21A7C}"/>
+                <a16:creationId xmlns:a16="http://schemas.microsoft.com/office/drawing/2014/main" id="{09C5EF46-DAF7-7945-3575-558B6AF2A249}"/>
               </a:ext>
             </a:extLst>
           </p:cNvPr>
@@ -1434,7 +1434,7 @@
           <p:cNvPr id="7" name="灯片编号占位符 6">
             <a:extLst>
               <a:ext uri="{FF2B5EF4-FFF2-40B4-BE49-F238E27FC236}">
-                <a16:creationId xmlns:a16="http://schemas.microsoft.com/office/drawing/2014/main" id="{F69AB12E-DE2A-6337-3E04-C659EDC0ACAB}"/>
+                <a16:creationId xmlns:a16="http://schemas.microsoft.com/office/drawing/2014/main" id="{6F972A00-727E-D4E3-88FB-19DDCE00B308}"/>
               </a:ext>
             </a:extLst>
           </p:cNvPr>
@@ -1450,7 +1450,7 @@
           <a:bodyPr/>
           <a:lstStyle/>
           <a:p>
-            <a:fld id="{3B1437BC-12F9-459F-A990-928CD5B01793}" type="slidenum">
+            <a:fld id="{190931F7-12F5-4A65-BFD0-FB301A5B9F86}" type="slidenum">
               <a:rPr lang="zh-CN" altLang="en-US" smtClean="0"/>
               <a:t>‹#›</a:t>
             </a:fld>
@@ -1461,7 +1461,7 @@
     </p:spTree>
     <p:extLst>
       <p:ext uri="{BB962C8B-B14F-4D97-AF65-F5344CB8AC3E}">
-        <p14:creationId xmlns:p14="http://schemas.microsoft.com/office/powerpoint/2010/main" val="920042876"/>
+        <p14:creationId xmlns:p14="http://schemas.microsoft.com/office/powerpoint/2010/main" val="1979490137"/>
       </p:ext>
     </p:extLst>
   </p:cSld>
@@ -1493,7 +1493,7 @@
           <p:cNvPr id="2" name="标题 1">
             <a:extLst>
               <a:ext uri="{FF2B5EF4-FFF2-40B4-BE49-F238E27FC236}">
-                <a16:creationId xmlns:a16="http://schemas.microsoft.com/office/drawing/2014/main" id="{DA48B7EA-0476-CE4A-438C-306A4206CCEC}"/>
+                <a16:creationId xmlns:a16="http://schemas.microsoft.com/office/drawing/2014/main" id="{2EA81E7B-1A07-2270-CCA9-5D92506260CC}"/>
               </a:ext>
             </a:extLst>
           </p:cNvPr>
@@ -1526,7 +1526,7 @@
           <p:cNvPr id="3" name="文本占位符 2">
             <a:extLst>
               <a:ext uri="{FF2B5EF4-FFF2-40B4-BE49-F238E27FC236}">
-                <a16:creationId xmlns:a16="http://schemas.microsoft.com/office/drawing/2014/main" id="{1D9E36BA-7B00-71D8-BF6E-DA70BE8C4C3B}"/>
+                <a16:creationId xmlns:a16="http://schemas.microsoft.com/office/drawing/2014/main" id="{F711BDD0-2A8D-2B23-ED3C-4160BD8B2A9B}"/>
               </a:ext>
             </a:extLst>
           </p:cNvPr>
@@ -1597,7 +1597,7 @@
           <p:cNvPr id="4" name="内容占位符 3">
             <a:extLst>
               <a:ext uri="{FF2B5EF4-FFF2-40B4-BE49-F238E27FC236}">
-                <a16:creationId xmlns:a16="http://schemas.microsoft.com/office/drawing/2014/main" id="{AEF3E806-173F-448E-FFBA-DF142C494EBD}"/>
+                <a16:creationId xmlns:a16="http://schemas.microsoft.com/office/drawing/2014/main" id="{C3730E23-CB70-5F3C-757B-30AC454F8F82}"/>
               </a:ext>
             </a:extLst>
           </p:cNvPr>
@@ -1659,7 +1659,7 @@
           <p:cNvPr id="5" name="文本占位符 4">
             <a:extLst>
               <a:ext uri="{FF2B5EF4-FFF2-40B4-BE49-F238E27FC236}">
-                <a16:creationId xmlns:a16="http://schemas.microsoft.com/office/drawing/2014/main" id="{9D9D2D6A-21AC-9011-44EA-314F3F661A42}"/>
+                <a16:creationId xmlns:a16="http://schemas.microsoft.com/office/drawing/2014/main" id="{457E34C3-CAF6-6BAF-7696-637A78927BAC}"/>
               </a:ext>
             </a:extLst>
           </p:cNvPr>
@@ -1730,7 +1730,7 @@
           <p:cNvPr id="6" name="内容占位符 5">
             <a:extLst>
               <a:ext uri="{FF2B5EF4-FFF2-40B4-BE49-F238E27FC236}">
-                <a16:creationId xmlns:a16="http://schemas.microsoft.com/office/drawing/2014/main" id="{91511034-91DD-0AEA-A8D1-42F3C03F3C55}"/>
+                <a16:creationId xmlns:a16="http://schemas.microsoft.com/office/drawing/2014/main" id="{0B519672-41B0-2337-C549-02276EB4A00A}"/>
               </a:ext>
             </a:extLst>
           </p:cNvPr>
@@ -1792,7 +1792,7 @@
           <p:cNvPr id="7" name="日期占位符 6">
             <a:extLst>
               <a:ext uri="{FF2B5EF4-FFF2-40B4-BE49-F238E27FC236}">
-                <a16:creationId xmlns:a16="http://schemas.microsoft.com/office/drawing/2014/main" id="{2D22B3B3-AE13-F127-A4B4-C9BFD39C3FD1}"/>
+                <a16:creationId xmlns:a16="http://schemas.microsoft.com/office/drawing/2014/main" id="{B63D1C9F-9EF8-8A9F-B418-CAEFDF905EA1}"/>
               </a:ext>
             </a:extLst>
           </p:cNvPr>
@@ -1808,7 +1808,7 @@
           <a:bodyPr/>
           <a:lstStyle/>
           <a:p>
-            <a:fld id="{B562C4DB-2887-4D6B-906D-DD89D6FBFC60}" type="datetimeFigureOut">
+            <a:fld id="{59018169-FED5-4FC0-BA2E-0CB11086B47A}" type="datetimeFigureOut">
               <a:rPr lang="zh-CN" altLang="en-US" smtClean="0"/>
               <a:t>2024/3/10</a:t>
             </a:fld>
@@ -1821,7 +1821,7 @@
           <p:cNvPr id="8" name="页脚占位符 7">
             <a:extLst>
               <a:ext uri="{FF2B5EF4-FFF2-40B4-BE49-F238E27FC236}">
-                <a16:creationId xmlns:a16="http://schemas.microsoft.com/office/drawing/2014/main" id="{6F64D6B6-AF09-08BC-1EA3-E0BB59B01FB8}"/>
+                <a16:creationId xmlns:a16="http://schemas.microsoft.com/office/drawing/2014/main" id="{BAAABD0E-9FB7-B46A-BD42-7AECF9A86A66}"/>
               </a:ext>
             </a:extLst>
           </p:cNvPr>
@@ -1846,7 +1846,7 @@
           <p:cNvPr id="9" name="灯片编号占位符 8">
             <a:extLst>
               <a:ext uri="{FF2B5EF4-FFF2-40B4-BE49-F238E27FC236}">
-                <a16:creationId xmlns:a16="http://schemas.microsoft.com/office/drawing/2014/main" id="{48DE28EB-F70A-7094-9686-6F97C0D94E7F}"/>
+                <a16:creationId xmlns:a16="http://schemas.microsoft.com/office/drawing/2014/main" id="{C5EB3930-CA16-F8AA-2226-A3D23F6DEFF1}"/>
               </a:ext>
             </a:extLst>
           </p:cNvPr>
@@ -1862,7 +1862,7 @@
           <a:bodyPr/>
           <a:lstStyle/>
           <a:p>
-            <a:fld id="{3B1437BC-12F9-459F-A990-928CD5B01793}" type="slidenum">
+            <a:fld id="{190931F7-12F5-4A65-BFD0-FB301A5B9F86}" type="slidenum">
               <a:rPr lang="zh-CN" altLang="en-US" smtClean="0"/>
               <a:t>‹#›</a:t>
             </a:fld>
@@ -1873,7 +1873,7 @@
     </p:spTree>
     <p:extLst>
       <p:ext uri="{BB962C8B-B14F-4D97-AF65-F5344CB8AC3E}">
-        <p14:creationId xmlns:p14="http://schemas.microsoft.com/office/powerpoint/2010/main" val="2426662053"/>
+        <p14:creationId xmlns:p14="http://schemas.microsoft.com/office/powerpoint/2010/main" val="816549230"/>
       </p:ext>
     </p:extLst>
   </p:cSld>
@@ -1905,7 +1905,7 @@
           <p:cNvPr id="2" name="标题 1">
             <a:extLst>
               <a:ext uri="{FF2B5EF4-FFF2-40B4-BE49-F238E27FC236}">
-                <a16:creationId xmlns:a16="http://schemas.microsoft.com/office/drawing/2014/main" id="{2915F200-9C37-BB49-4734-706EC0206E98}"/>
+                <a16:creationId xmlns:a16="http://schemas.microsoft.com/office/drawing/2014/main" id="{6B807344-988C-F2E7-1FFF-B8740F85E6C3}"/>
               </a:ext>
             </a:extLst>
           </p:cNvPr>
@@ -1933,7 +1933,7 @@
           <p:cNvPr id="3" name="日期占位符 2">
             <a:extLst>
               <a:ext uri="{FF2B5EF4-FFF2-40B4-BE49-F238E27FC236}">
-                <a16:creationId xmlns:a16="http://schemas.microsoft.com/office/drawing/2014/main" id="{7F237733-194B-BEE7-907E-D0495DC7B19A}"/>
+                <a16:creationId xmlns:a16="http://schemas.microsoft.com/office/drawing/2014/main" id="{033603CB-1BD3-362E-1F47-F339EEDED3B5}"/>
               </a:ext>
             </a:extLst>
           </p:cNvPr>
@@ -1949,7 +1949,7 @@
           <a:bodyPr/>
           <a:lstStyle/>
           <a:p>
-            <a:fld id="{B562C4DB-2887-4D6B-906D-DD89D6FBFC60}" type="datetimeFigureOut">
+            <a:fld id="{59018169-FED5-4FC0-BA2E-0CB11086B47A}" type="datetimeFigureOut">
               <a:rPr lang="zh-CN" altLang="en-US" smtClean="0"/>
               <a:t>2024/3/10</a:t>
             </a:fld>
@@ -1962,7 +1962,7 @@
           <p:cNvPr id="4" name="页脚占位符 3">
             <a:extLst>
               <a:ext uri="{FF2B5EF4-FFF2-40B4-BE49-F238E27FC236}">
-                <a16:creationId xmlns:a16="http://schemas.microsoft.com/office/drawing/2014/main" id="{791E1098-E11D-E2E2-4A61-5DF135B6B0CC}"/>
+                <a16:creationId xmlns:a16="http://schemas.microsoft.com/office/drawing/2014/main" id="{6E0CB32B-813C-BF2C-6717-F445F923BC46}"/>
               </a:ext>
             </a:extLst>
           </p:cNvPr>
@@ -1987,7 +1987,7 @@
           <p:cNvPr id="5" name="灯片编号占位符 4">
             <a:extLst>
               <a:ext uri="{FF2B5EF4-FFF2-40B4-BE49-F238E27FC236}">
-                <a16:creationId xmlns:a16="http://schemas.microsoft.com/office/drawing/2014/main" id="{D654CC59-86B7-79CB-B180-5AAAA7B3E77A}"/>
+                <a16:creationId xmlns:a16="http://schemas.microsoft.com/office/drawing/2014/main" id="{C29A8CEA-ABA1-67E2-6242-151F04A69AE2}"/>
               </a:ext>
             </a:extLst>
           </p:cNvPr>
@@ -2003,7 +2003,7 @@
           <a:bodyPr/>
           <a:lstStyle/>
           <a:p>
-            <a:fld id="{3B1437BC-12F9-459F-A990-928CD5B01793}" type="slidenum">
+            <a:fld id="{190931F7-12F5-4A65-BFD0-FB301A5B9F86}" type="slidenum">
               <a:rPr lang="zh-CN" altLang="en-US" smtClean="0"/>
               <a:t>‹#›</a:t>
             </a:fld>
@@ -2014,7 +2014,7 @@
     </p:spTree>
     <p:extLst>
       <p:ext uri="{BB962C8B-B14F-4D97-AF65-F5344CB8AC3E}">
-        <p14:creationId xmlns:p14="http://schemas.microsoft.com/office/powerpoint/2010/main" val="3115059456"/>
+        <p14:creationId xmlns:p14="http://schemas.microsoft.com/office/powerpoint/2010/main" val="3466460415"/>
       </p:ext>
     </p:extLst>
   </p:cSld>
@@ -2046,7 +2046,7 @@
           <p:cNvPr id="2" name="日期占位符 1">
             <a:extLst>
               <a:ext uri="{FF2B5EF4-FFF2-40B4-BE49-F238E27FC236}">
-                <a16:creationId xmlns:a16="http://schemas.microsoft.com/office/drawing/2014/main" id="{3AE487F8-BFA1-47D6-6B0A-0F9DC1400D0F}"/>
+                <a16:creationId xmlns:a16="http://schemas.microsoft.com/office/drawing/2014/main" id="{202B8B92-399B-1C7E-0DF6-9A7E1362C739}"/>
               </a:ext>
             </a:extLst>
           </p:cNvPr>
@@ -2062,7 +2062,7 @@
           <a:bodyPr/>
           <a:lstStyle/>
           <a:p>
-            <a:fld id="{B562C4DB-2887-4D6B-906D-DD89D6FBFC60}" type="datetimeFigureOut">
+            <a:fld id="{59018169-FED5-4FC0-BA2E-0CB11086B47A}" type="datetimeFigureOut">
               <a:rPr lang="zh-CN" altLang="en-US" smtClean="0"/>
               <a:t>2024/3/10</a:t>
             </a:fld>
@@ -2075,7 +2075,7 @@
           <p:cNvPr id="3" name="页脚占位符 2">
             <a:extLst>
               <a:ext uri="{FF2B5EF4-FFF2-40B4-BE49-F238E27FC236}">
-                <a16:creationId xmlns:a16="http://schemas.microsoft.com/office/drawing/2014/main" id="{C1C0431F-60E2-70B0-AC69-99534A4E7259}"/>
+                <a16:creationId xmlns:a16="http://schemas.microsoft.com/office/drawing/2014/main" id="{D8AE8C08-683F-591A-62C1-271C060F68A0}"/>
               </a:ext>
             </a:extLst>
           </p:cNvPr>
@@ -2100,7 +2100,7 @@
           <p:cNvPr id="4" name="灯片编号占位符 3">
             <a:extLst>
               <a:ext uri="{FF2B5EF4-FFF2-40B4-BE49-F238E27FC236}">
-                <a16:creationId xmlns:a16="http://schemas.microsoft.com/office/drawing/2014/main" id="{E3824B30-CBE7-A94C-8866-3DA564F1B09B}"/>
+                <a16:creationId xmlns:a16="http://schemas.microsoft.com/office/drawing/2014/main" id="{5492A5E4-BC9E-053B-A126-B2A66DDBA32F}"/>
               </a:ext>
             </a:extLst>
           </p:cNvPr>
@@ -2116,7 +2116,7 @@
           <a:bodyPr/>
           <a:lstStyle/>
           <a:p>
-            <a:fld id="{3B1437BC-12F9-459F-A990-928CD5B01793}" type="slidenum">
+            <a:fld id="{190931F7-12F5-4A65-BFD0-FB301A5B9F86}" type="slidenum">
               <a:rPr lang="zh-CN" altLang="en-US" smtClean="0"/>
               <a:t>‹#›</a:t>
             </a:fld>
@@ -2127,7 +2127,7 @@
     </p:spTree>
     <p:extLst>
       <p:ext uri="{BB962C8B-B14F-4D97-AF65-F5344CB8AC3E}">
-        <p14:creationId xmlns:p14="http://schemas.microsoft.com/office/powerpoint/2010/main" val="3381649481"/>
+        <p14:creationId xmlns:p14="http://schemas.microsoft.com/office/powerpoint/2010/main" val="2306083392"/>
       </p:ext>
     </p:extLst>
   </p:cSld>
@@ -2159,7 +2159,7 @@
           <p:cNvPr id="2" name="标题 1">
             <a:extLst>
               <a:ext uri="{FF2B5EF4-FFF2-40B4-BE49-F238E27FC236}">
-                <a16:creationId xmlns:a16="http://schemas.microsoft.com/office/drawing/2014/main" id="{52BBBD73-4CE1-4AA3-6D76-D4C71E1080A9}"/>
+                <a16:creationId xmlns:a16="http://schemas.microsoft.com/office/drawing/2014/main" id="{8627BCA2-1F95-9ED4-62FF-8C83E02F5367}"/>
               </a:ext>
             </a:extLst>
           </p:cNvPr>
@@ -2196,7 +2196,7 @@
           <p:cNvPr id="3" name="内容占位符 2">
             <a:extLst>
               <a:ext uri="{FF2B5EF4-FFF2-40B4-BE49-F238E27FC236}">
-                <a16:creationId xmlns:a16="http://schemas.microsoft.com/office/drawing/2014/main" id="{554E1F2F-C450-B064-7E77-49F3AF4CD129}"/>
+                <a16:creationId xmlns:a16="http://schemas.microsoft.com/office/drawing/2014/main" id="{EBE6291B-159B-9EDA-EF0B-B679813A29BB}"/>
               </a:ext>
             </a:extLst>
           </p:cNvPr>
@@ -2286,7 +2286,7 @@
           <p:cNvPr id="4" name="文本占位符 3">
             <a:extLst>
               <a:ext uri="{FF2B5EF4-FFF2-40B4-BE49-F238E27FC236}">
-                <a16:creationId xmlns:a16="http://schemas.microsoft.com/office/drawing/2014/main" id="{13EAA789-405F-0819-54F3-611BB5EBF99F}"/>
+                <a16:creationId xmlns:a16="http://schemas.microsoft.com/office/drawing/2014/main" id="{0838BE2B-6D43-D5EB-6AA0-E20801E67A1B}"/>
               </a:ext>
             </a:extLst>
           </p:cNvPr>
@@ -2357,7 +2357,7 @@
           <p:cNvPr id="5" name="日期占位符 4">
             <a:extLst>
               <a:ext uri="{FF2B5EF4-FFF2-40B4-BE49-F238E27FC236}">
-                <a16:creationId xmlns:a16="http://schemas.microsoft.com/office/drawing/2014/main" id="{2C2547FE-F614-4AAE-D38C-BA69797BECE5}"/>
+                <a16:creationId xmlns:a16="http://schemas.microsoft.com/office/drawing/2014/main" id="{49E76ED0-5AAA-FCBE-A551-686BB764F876}"/>
               </a:ext>
             </a:extLst>
           </p:cNvPr>
@@ -2373,7 +2373,7 @@
           <a:bodyPr/>
           <a:lstStyle/>
           <a:p>
-            <a:fld id="{B562C4DB-2887-4D6B-906D-DD89D6FBFC60}" type="datetimeFigureOut">
+            <a:fld id="{59018169-FED5-4FC0-BA2E-0CB11086B47A}" type="datetimeFigureOut">
               <a:rPr lang="zh-CN" altLang="en-US" smtClean="0"/>
               <a:t>2024/3/10</a:t>
             </a:fld>
@@ -2386,7 +2386,7 @@
           <p:cNvPr id="6" name="页脚占位符 5">
             <a:extLst>
               <a:ext uri="{FF2B5EF4-FFF2-40B4-BE49-F238E27FC236}">
-                <a16:creationId xmlns:a16="http://schemas.microsoft.com/office/drawing/2014/main" id="{C1F6D6C8-B580-DFCB-48AC-5D92DFE59E57}"/>
+                <a16:creationId xmlns:a16="http://schemas.microsoft.com/office/drawing/2014/main" id="{91A94541-18C0-BBB8-1F00-FDB1D7EFB49C}"/>
               </a:ext>
             </a:extLst>
           </p:cNvPr>
@@ -2411,7 +2411,7 @@
           <p:cNvPr id="7" name="灯片编号占位符 6">
             <a:extLst>
               <a:ext uri="{FF2B5EF4-FFF2-40B4-BE49-F238E27FC236}">
-                <a16:creationId xmlns:a16="http://schemas.microsoft.com/office/drawing/2014/main" id="{B47853F7-2C7E-7232-C029-726DD1E20067}"/>
+                <a16:creationId xmlns:a16="http://schemas.microsoft.com/office/drawing/2014/main" id="{33317C29-E088-6F86-0DF5-EB25E9146FDD}"/>
               </a:ext>
             </a:extLst>
           </p:cNvPr>
@@ -2427,7 +2427,7 @@
           <a:bodyPr/>
           <a:lstStyle/>
           <a:p>
-            <a:fld id="{3B1437BC-12F9-459F-A990-928CD5B01793}" type="slidenum">
+            <a:fld id="{190931F7-12F5-4A65-BFD0-FB301A5B9F86}" type="slidenum">
               <a:rPr lang="zh-CN" altLang="en-US" smtClean="0"/>
               <a:t>‹#›</a:t>
             </a:fld>
@@ -2438,7 +2438,7 @@
     </p:spTree>
     <p:extLst>
       <p:ext uri="{BB962C8B-B14F-4D97-AF65-F5344CB8AC3E}">
-        <p14:creationId xmlns:p14="http://schemas.microsoft.com/office/powerpoint/2010/main" val="3455441861"/>
+        <p14:creationId xmlns:p14="http://schemas.microsoft.com/office/powerpoint/2010/main" val="2907068855"/>
       </p:ext>
     </p:extLst>
   </p:cSld>
@@ -2470,7 +2470,7 @@
           <p:cNvPr id="2" name="标题 1">
             <a:extLst>
               <a:ext uri="{FF2B5EF4-FFF2-40B4-BE49-F238E27FC236}">
-                <a16:creationId xmlns:a16="http://schemas.microsoft.com/office/drawing/2014/main" id="{8FBB8BCB-2E38-3770-334F-1B290DF81DBF}"/>
+                <a16:creationId xmlns:a16="http://schemas.microsoft.com/office/drawing/2014/main" id="{246E9577-E329-E35C-A857-7AD97F68B4F1}"/>
               </a:ext>
             </a:extLst>
           </p:cNvPr>
@@ -2507,7 +2507,7 @@
           <p:cNvPr id="3" name="图片占位符 2">
             <a:extLst>
               <a:ext uri="{FF2B5EF4-FFF2-40B4-BE49-F238E27FC236}">
-                <a16:creationId xmlns:a16="http://schemas.microsoft.com/office/drawing/2014/main" id="{18E93D48-2F7C-7D92-2091-4415EA9C4941}"/>
+                <a16:creationId xmlns:a16="http://schemas.microsoft.com/office/drawing/2014/main" id="{A51F2693-344A-9640-8A90-247C7A0CBBE0}"/>
               </a:ext>
             </a:extLst>
           </p:cNvPr>
@@ -2574,7 +2574,7 @@
           <p:cNvPr id="4" name="文本占位符 3">
             <a:extLst>
               <a:ext uri="{FF2B5EF4-FFF2-40B4-BE49-F238E27FC236}">
-                <a16:creationId xmlns:a16="http://schemas.microsoft.com/office/drawing/2014/main" id="{1D9D0FA1-C432-AB4D-9CFB-6FCFC2333DC5}"/>
+                <a16:creationId xmlns:a16="http://schemas.microsoft.com/office/drawing/2014/main" id="{746E4556-FE84-7E14-8420-73EC937DEA22}"/>
               </a:ext>
             </a:extLst>
           </p:cNvPr>
@@ -2645,7 +2645,7 @@
           <p:cNvPr id="5" name="日期占位符 4">
             <a:extLst>
               <a:ext uri="{FF2B5EF4-FFF2-40B4-BE49-F238E27FC236}">
-                <a16:creationId xmlns:a16="http://schemas.microsoft.com/office/drawing/2014/main" id="{E426A617-71F4-F06E-91FE-60AD14D6F35D}"/>
+                <a16:creationId xmlns:a16="http://schemas.microsoft.com/office/drawing/2014/main" id="{1CEC6683-9BC7-DC68-7658-F5C69413CADC}"/>
               </a:ext>
             </a:extLst>
           </p:cNvPr>
@@ -2661,7 +2661,7 @@
           <a:bodyPr/>
           <a:lstStyle/>
           <a:p>
-            <a:fld id="{B562C4DB-2887-4D6B-906D-DD89D6FBFC60}" type="datetimeFigureOut">
+            <a:fld id="{59018169-FED5-4FC0-BA2E-0CB11086B47A}" type="datetimeFigureOut">
               <a:rPr lang="zh-CN" altLang="en-US" smtClean="0"/>
               <a:t>2024/3/10</a:t>
             </a:fld>
@@ -2674,7 +2674,7 @@
           <p:cNvPr id="6" name="页脚占位符 5">
             <a:extLst>
               <a:ext uri="{FF2B5EF4-FFF2-40B4-BE49-F238E27FC236}">
-                <a16:creationId xmlns:a16="http://schemas.microsoft.com/office/drawing/2014/main" id="{51681D2B-46F3-78FF-B7F0-17FC73323BB4}"/>
+                <a16:creationId xmlns:a16="http://schemas.microsoft.com/office/drawing/2014/main" id="{8DDD6859-8CC7-6FB3-3C4C-5E591185954A}"/>
               </a:ext>
             </a:extLst>
           </p:cNvPr>
@@ -2699,7 +2699,7 @@
           <p:cNvPr id="7" name="灯片编号占位符 6">
             <a:extLst>
               <a:ext uri="{FF2B5EF4-FFF2-40B4-BE49-F238E27FC236}">
-                <a16:creationId xmlns:a16="http://schemas.microsoft.com/office/drawing/2014/main" id="{819E7EF7-EBE8-01D1-5397-445103D41B07}"/>
+                <a16:creationId xmlns:a16="http://schemas.microsoft.com/office/drawing/2014/main" id="{68902BBF-A7FB-53F9-3876-1E4805D738A2}"/>
               </a:ext>
             </a:extLst>
           </p:cNvPr>
@@ -2715,7 +2715,7 @@
           <a:bodyPr/>
           <a:lstStyle/>
           <a:p>
-            <a:fld id="{3B1437BC-12F9-459F-A990-928CD5B01793}" type="slidenum">
+            <a:fld id="{190931F7-12F5-4A65-BFD0-FB301A5B9F86}" type="slidenum">
               <a:rPr lang="zh-CN" altLang="en-US" smtClean="0"/>
               <a:t>‹#›</a:t>
             </a:fld>
@@ -2726,7 +2726,7 @@
     </p:spTree>
     <p:extLst>
       <p:ext uri="{BB962C8B-B14F-4D97-AF65-F5344CB8AC3E}">
-        <p14:creationId xmlns:p14="http://schemas.microsoft.com/office/powerpoint/2010/main" val="2213661304"/>
+        <p14:creationId xmlns:p14="http://schemas.microsoft.com/office/powerpoint/2010/main" val="2628174551"/>
       </p:ext>
     </p:extLst>
   </p:cSld>
@@ -2763,7 +2763,7 @@
           <p:cNvPr id="2" name="标题占位符 1">
             <a:extLst>
               <a:ext uri="{FF2B5EF4-FFF2-40B4-BE49-F238E27FC236}">
-                <a16:creationId xmlns:a16="http://schemas.microsoft.com/office/drawing/2014/main" id="{A00ECFFA-AAC4-0424-8C50-308B24FAFE6D}"/>
+                <a16:creationId xmlns:a16="http://schemas.microsoft.com/office/drawing/2014/main" id="{8787EAFC-17E1-6F8E-8266-6EF46190614B}"/>
               </a:ext>
             </a:extLst>
           </p:cNvPr>
@@ -2801,7 +2801,7 @@
           <p:cNvPr id="3" name="文本占位符 2">
             <a:extLst>
               <a:ext uri="{FF2B5EF4-FFF2-40B4-BE49-F238E27FC236}">
-                <a16:creationId xmlns:a16="http://schemas.microsoft.com/office/drawing/2014/main" id="{4E5FED0F-514D-2459-A1F5-1DDBCA3F8E44}"/>
+                <a16:creationId xmlns:a16="http://schemas.microsoft.com/office/drawing/2014/main" id="{F16724D7-87E8-5A33-1E82-A890EB1B013D}"/>
               </a:ext>
             </a:extLst>
           </p:cNvPr>
@@ -2868,7 +2868,7 @@
           <p:cNvPr id="4" name="日期占位符 3">
             <a:extLst>
               <a:ext uri="{FF2B5EF4-FFF2-40B4-BE49-F238E27FC236}">
-                <a16:creationId xmlns:a16="http://schemas.microsoft.com/office/drawing/2014/main" id="{E8AE4954-C27A-A8CD-07A4-189549C52C9F}"/>
+                <a16:creationId xmlns:a16="http://schemas.microsoft.com/office/drawing/2014/main" id="{92792A1A-6F15-669F-62BE-90F037E1E320}"/>
               </a:ext>
             </a:extLst>
           </p:cNvPr>
@@ -2902,7 +2902,7 @@
             </a:lvl1pPr>
           </a:lstStyle>
           <a:p>
-            <a:fld id="{B562C4DB-2887-4D6B-906D-DD89D6FBFC60}" type="datetimeFigureOut">
+            <a:fld id="{59018169-FED5-4FC0-BA2E-0CB11086B47A}" type="datetimeFigureOut">
               <a:rPr lang="zh-CN" altLang="en-US" smtClean="0"/>
               <a:t>2024/3/10</a:t>
             </a:fld>
@@ -2915,7 +2915,7 @@
           <p:cNvPr id="5" name="页脚占位符 4">
             <a:extLst>
               <a:ext uri="{FF2B5EF4-FFF2-40B4-BE49-F238E27FC236}">
-                <a16:creationId xmlns:a16="http://schemas.microsoft.com/office/drawing/2014/main" id="{DF176496-19F3-17D5-0FAF-1E0229AB8DFB}"/>
+                <a16:creationId xmlns:a16="http://schemas.microsoft.com/office/drawing/2014/main" id="{75C09851-6E6A-434C-EC28-93655B3699F4}"/>
               </a:ext>
             </a:extLst>
           </p:cNvPr>
@@ -2958,7 +2958,7 @@
           <p:cNvPr id="6" name="灯片编号占位符 5">
             <a:extLst>
               <a:ext uri="{FF2B5EF4-FFF2-40B4-BE49-F238E27FC236}">
-                <a16:creationId xmlns:a16="http://schemas.microsoft.com/office/drawing/2014/main" id="{5A6AF0FE-BA26-35CC-CE0B-E6B648370E5A}"/>
+                <a16:creationId xmlns:a16="http://schemas.microsoft.com/office/drawing/2014/main" id="{15C16651-83CE-E0F6-AFC4-DE49D3B30458}"/>
               </a:ext>
             </a:extLst>
           </p:cNvPr>
@@ -2992,7 +2992,7 @@
             </a:lvl1pPr>
           </a:lstStyle>
           <a:p>
-            <a:fld id="{3B1437BC-12F9-459F-A990-928CD5B01793}" type="slidenum">
+            <a:fld id="{190931F7-12F5-4A65-BFD0-FB301A5B9F86}" type="slidenum">
               <a:rPr lang="zh-CN" altLang="en-US" smtClean="0"/>
               <a:t>‹#›</a:t>
             </a:fld>
@@ -3003,7 +3003,7 @@
     </p:spTree>
     <p:extLst>
       <p:ext uri="{BB962C8B-B14F-4D97-AF65-F5344CB8AC3E}">
-        <p14:creationId xmlns:p14="http://schemas.microsoft.com/office/powerpoint/2010/main" val="2489388034"/>
+        <p14:creationId xmlns:p14="http://schemas.microsoft.com/office/powerpoint/2010/main" val="3382604251"/>
       </p:ext>
     </p:extLst>
   </p:cSld>
